--- a/2019/Slicing/Applied Static Analysis -Code Slicing.pptx
+++ b/2019/Slicing/Applied Static Analysis -Code Slicing.pptx
@@ -140,6 +140,9 @@
         </p14:section>
       </p14:sectionLst>
     </p:ext>
+    <p:ext uri="{EFAFB233-063F-42B5-8137-9DF3F51BA10A}">
+      <p15:sldGuideLst xmlns:p15="http://schemas.microsoft.com/office/powerpoint/2012/main"/>
+    </p:ext>
   </p:extLst>
 </p:presentation>
 </file>
@@ -275,7 +278,7 @@
           <a:p>
             <a:fld id="{CC298089-A3CE-4167-AE93-CC55C9DB5F02}" type="datetimeFigureOut">
               <a:rPr lang="en-US" smtClean="0"/>
-              <a:t>7/8/2019</a:t>
+              <a:t>7/11/2019</a:t>
             </a:fld>
             <a:endParaRPr lang="en-US"/>
           </a:p>
@@ -445,7 +448,7 @@
           <a:p>
             <a:fld id="{CC298089-A3CE-4167-AE93-CC55C9DB5F02}" type="datetimeFigureOut">
               <a:rPr lang="en-US" smtClean="0"/>
-              <a:t>7/8/2019</a:t>
+              <a:t>7/11/2019</a:t>
             </a:fld>
             <a:endParaRPr lang="en-US"/>
           </a:p>
@@ -625,7 +628,7 @@
           <a:p>
             <a:fld id="{CC298089-A3CE-4167-AE93-CC55C9DB5F02}" type="datetimeFigureOut">
               <a:rPr lang="en-US" smtClean="0"/>
-              <a:t>7/8/2019</a:t>
+              <a:t>7/11/2019</a:t>
             </a:fld>
             <a:endParaRPr lang="en-US"/>
           </a:p>
@@ -795,7 +798,7 @@
           <a:p>
             <a:fld id="{CC298089-A3CE-4167-AE93-CC55C9DB5F02}" type="datetimeFigureOut">
               <a:rPr lang="en-US" smtClean="0"/>
-              <a:t>7/8/2019</a:t>
+              <a:t>7/11/2019</a:t>
             </a:fld>
             <a:endParaRPr lang="en-US"/>
           </a:p>
@@ -1039,7 +1042,7 @@
           <a:p>
             <a:fld id="{CC298089-A3CE-4167-AE93-CC55C9DB5F02}" type="datetimeFigureOut">
               <a:rPr lang="en-US" smtClean="0"/>
-              <a:t>7/8/2019</a:t>
+              <a:t>7/11/2019</a:t>
             </a:fld>
             <a:endParaRPr lang="en-US"/>
           </a:p>
@@ -1271,7 +1274,7 @@
           <a:p>
             <a:fld id="{CC298089-A3CE-4167-AE93-CC55C9DB5F02}" type="datetimeFigureOut">
               <a:rPr lang="en-US" smtClean="0"/>
-              <a:t>7/8/2019</a:t>
+              <a:t>7/11/2019</a:t>
             </a:fld>
             <a:endParaRPr lang="en-US"/>
           </a:p>
@@ -1638,7 +1641,7 @@
           <a:p>
             <a:fld id="{CC298089-A3CE-4167-AE93-CC55C9DB5F02}" type="datetimeFigureOut">
               <a:rPr lang="en-US" smtClean="0"/>
-              <a:t>7/8/2019</a:t>
+              <a:t>7/11/2019</a:t>
             </a:fld>
             <a:endParaRPr lang="en-US"/>
           </a:p>
@@ -1756,7 +1759,7 @@
           <a:p>
             <a:fld id="{CC298089-A3CE-4167-AE93-CC55C9DB5F02}" type="datetimeFigureOut">
               <a:rPr lang="en-US" smtClean="0"/>
-              <a:t>7/8/2019</a:t>
+              <a:t>7/11/2019</a:t>
             </a:fld>
             <a:endParaRPr lang="en-US"/>
           </a:p>
@@ -1851,7 +1854,7 @@
           <a:p>
             <a:fld id="{CC298089-A3CE-4167-AE93-CC55C9DB5F02}" type="datetimeFigureOut">
               <a:rPr lang="en-US" smtClean="0"/>
-              <a:t>7/8/2019</a:t>
+              <a:t>7/11/2019</a:t>
             </a:fld>
             <a:endParaRPr lang="en-US"/>
           </a:p>
@@ -2128,7 +2131,7 @@
           <a:p>
             <a:fld id="{CC298089-A3CE-4167-AE93-CC55C9DB5F02}" type="datetimeFigureOut">
               <a:rPr lang="en-US" smtClean="0"/>
-              <a:t>7/8/2019</a:t>
+              <a:t>7/11/2019</a:t>
             </a:fld>
             <a:endParaRPr lang="en-US"/>
           </a:p>
@@ -2385,7 +2388,7 @@
           <a:p>
             <a:fld id="{CC298089-A3CE-4167-AE93-CC55C9DB5F02}" type="datetimeFigureOut">
               <a:rPr lang="en-US" smtClean="0"/>
-              <a:t>7/8/2019</a:t>
+              <a:t>7/11/2019</a:t>
             </a:fld>
             <a:endParaRPr lang="en-US"/>
           </a:p>
@@ -2598,7 +2601,7 @@
           <a:p>
             <a:fld id="{CC298089-A3CE-4167-AE93-CC55C9DB5F02}" type="datetimeFigureOut">
               <a:rPr lang="en-US" smtClean="0"/>
-              <a:t>7/8/2019</a:t>
+              <a:t>7/11/2019</a:t>
             </a:fld>
             <a:endParaRPr lang="en-US"/>
           </a:p>
@@ -3285,7 +3288,15 @@
           <a:p>
             <a:r>
               <a:rPr lang="en-GB" dirty="0" smtClean="0"/>
-              <a:t>System Dependence Graph II</a:t>
+              <a:t>Example </a:t>
+            </a:r>
+            <a:r>
+              <a:rPr lang="en-GB" dirty="0" smtClean="0"/>
+              <a:t>System </a:t>
+            </a:r>
+            <a:r>
+              <a:rPr lang="en-GB" dirty="0" smtClean="0"/>
+              <a:t>Dependence Graph </a:t>
             </a:r>
             <a:endParaRPr lang="en-US" dirty="0"/>
           </a:p>
@@ -6753,9 +6764,9 @@
         <p:grpSpPr>
           <a:xfrm>
             <a:off x="6002903" y="5723385"/>
-            <a:ext cx="2854508" cy="923330"/>
+            <a:ext cx="2987036" cy="923330"/>
             <a:chOff x="-2422083" y="1365103"/>
-            <a:chExt cx="3050733" cy="923330"/>
+            <a:chExt cx="3192371" cy="923330"/>
           </a:xfrm>
         </p:grpSpPr>
         <p:grpSp>
@@ -6767,9 +6778,9 @@
           <p:grpSpPr>
             <a:xfrm>
               <a:off x="-2422083" y="1365103"/>
-              <a:ext cx="3050733" cy="923330"/>
+              <a:ext cx="3192371" cy="923330"/>
               <a:chOff x="5495636" y="344925"/>
-              <a:chExt cx="3050733" cy="923330"/>
+              <a:chExt cx="3192371" cy="923330"/>
             </a:xfrm>
             <a:solidFill>
               <a:schemeClr val="bg1"/>
@@ -6858,8 +6869,8 @@
             </p:nvSpPr>
             <p:spPr>
               <a:xfrm>
-                <a:off x="6485933" y="344925"/>
-                <a:ext cx="2060436" cy="923330"/>
+                <a:off x="6485932" y="344925"/>
+                <a:ext cx="2202075" cy="923330"/>
               </a:xfrm>
               <a:prstGeom prst="rect">
                 <a:avLst/>
@@ -6902,8 +6913,8 @@
                   <a:t>data </a:t>
                 </a:r>
                 <a:r>
-                  <a:rPr lang="en-GB" dirty="0" err="1" smtClean="0"/>
-                  <a:t>depdendency</a:t>
+                  <a:rPr lang="en-GB" dirty="0" smtClean="0"/>
+                  <a:t>dependency</a:t>
                 </a:r>
                 <a:endParaRPr lang="en-US" dirty="0"/>
               </a:p>
@@ -11667,16 +11678,31 @@
             <p:ph type="title"/>
           </p:nvPr>
         </p:nvSpPr>
-        <p:spPr/>
+        <p:spPr>
+          <a:xfrm>
+            <a:off x="213071" y="294778"/>
+            <a:ext cx="7886700" cy="1325563"/>
+          </a:xfrm>
+        </p:spPr>
         <p:txBody>
-          <a:bodyPr/>
+          <a:bodyPr>
+            <a:normAutofit/>
+          </a:bodyPr>
           <a:lstStyle/>
           <a:p>
             <a:r>
-              <a:rPr lang="en-GB" dirty="0" smtClean="0"/>
-              <a:t>System Dependence Graph III</a:t>
-            </a:r>
-            <a:endParaRPr lang="en-US" dirty="0"/>
+              <a:rPr lang="en-GB" sz="3600" dirty="0" smtClean="0"/>
+              <a:t>Slicing using a System </a:t>
+            </a:r>
+            <a:r>
+              <a:rPr lang="en-GB" sz="3600" dirty="0" smtClean="0"/>
+              <a:t>Dependence </a:t>
+            </a:r>
+            <a:r>
+              <a:rPr lang="en-GB" sz="3600" dirty="0" smtClean="0"/>
+              <a:t>Graph</a:t>
+            </a:r>
+            <a:endParaRPr lang="en-US" sz="3600" dirty="0"/>
           </a:p>
         </p:txBody>
       </p:sp>
@@ -12622,10 +12648,10 @@
         </p:nvGrpSpPr>
         <p:grpSpPr>
           <a:xfrm>
-            <a:off x="7716746" y="873844"/>
-            <a:ext cx="2854508" cy="923330"/>
+            <a:off x="100899" y="5944534"/>
+            <a:ext cx="2964656" cy="923330"/>
             <a:chOff x="-2422083" y="1365103"/>
-            <a:chExt cx="3050733" cy="923330"/>
+            <a:chExt cx="3453570" cy="923330"/>
           </a:xfrm>
         </p:grpSpPr>
         <p:grpSp>
@@ -12637,9 +12663,9 @@
           <p:grpSpPr>
             <a:xfrm>
               <a:off x="-2422083" y="1365103"/>
-              <a:ext cx="3050733" cy="923330"/>
+              <a:ext cx="3453570" cy="923330"/>
               <a:chOff x="5495636" y="344925"/>
-              <a:chExt cx="3050733" cy="923330"/>
+              <a:chExt cx="3453570" cy="923330"/>
             </a:xfrm>
             <a:solidFill>
               <a:schemeClr val="bg1"/>
@@ -12729,7 +12755,7 @@
             <p:spPr>
               <a:xfrm>
                 <a:off x="6485933" y="344925"/>
-                <a:ext cx="2060436" cy="923330"/>
+                <a:ext cx="2463273" cy="923330"/>
               </a:xfrm>
               <a:prstGeom prst="rect">
                 <a:avLst/>
@@ -12772,8 +12798,8 @@
                   <a:t>data </a:t>
                 </a:r>
                 <a:r>
-                  <a:rPr lang="en-GB" dirty="0" err="1" smtClean="0"/>
-                  <a:t>depdendency</a:t>
+                  <a:rPr lang="en-GB" dirty="0" smtClean="0"/>
+                  <a:t>dependency</a:t>
                 </a:r>
                 <a:endParaRPr lang="en-US" dirty="0"/>
               </a:p>
@@ -16825,11 +16851,11 @@
   <p:clrMapOvr>
     <a:masterClrMapping/>
   </p:clrMapOvr>
-  <mc:AlternateContent xmlns:mc="http://schemas.openxmlformats.org/markup-compatibility/2006">
-    <mc:Choice xmlns:p14="http://schemas.microsoft.com/office/powerpoint/2010/main" Requires="p14">
+  <mc:AlternateContent xmlns:mc="http://schemas.openxmlformats.org/markup-compatibility/2006" xmlns:p14="http://schemas.microsoft.com/office/powerpoint/2010/main">
+    <mc:Choice Requires="p14">
       <p:transition p14:dur="10"/>
     </mc:Choice>
-    <mc:Fallback>
+    <mc:Fallback xmlns="">
       <p:transition/>
     </mc:Fallback>
   </mc:AlternateContent>
@@ -18835,7 +18861,15 @@
           <a:p>
             <a:r>
               <a:rPr lang="en-GB" dirty="0" smtClean="0"/>
-              <a:t>Software Factory 4.0</a:t>
+              <a:t>Research Project - Software </a:t>
+            </a:r>
+            <a:r>
+              <a:rPr lang="en-GB" dirty="0" smtClean="0"/>
+              <a:t>Factory </a:t>
+            </a:r>
+            <a:r>
+              <a:rPr lang="en-GB" dirty="0" smtClean="0"/>
+              <a:t>4.0 </a:t>
             </a:r>
             <a:endParaRPr lang="en-US" dirty="0"/>
           </a:p>
@@ -20743,6 +20777,126 @@
               <a:t>Create Mapping</a:t>
             </a:r>
             <a:endParaRPr lang="en-US" sz="1350" dirty="0"/>
+          </a:p>
+        </p:txBody>
+      </p:sp>
+      <p:sp>
+        <p:nvSpPr>
+          <p:cNvPr id="3" name="Up Arrow 2"/>
+          <p:cNvSpPr/>
+          <p:nvPr/>
+        </p:nvSpPr>
+        <p:spPr>
+          <a:xfrm>
+            <a:off x="4184781" y="4815661"/>
+            <a:ext cx="484632" cy="978408"/>
+          </a:xfrm>
+          <a:prstGeom prst="upArrow">
+            <a:avLst/>
+          </a:prstGeom>
+        </p:spPr>
+        <p:style>
+          <a:lnRef idx="2">
+            <a:schemeClr val="accent1">
+              <a:shade val="50000"/>
+            </a:schemeClr>
+          </a:lnRef>
+          <a:fillRef idx="1">
+            <a:schemeClr val="accent1"/>
+          </a:fillRef>
+          <a:effectRef idx="0">
+            <a:schemeClr val="accent1"/>
+          </a:effectRef>
+          <a:fontRef idx="minor">
+            <a:schemeClr val="lt1"/>
+          </a:fontRef>
+        </p:style>
+        <p:txBody>
+          <a:bodyPr rtlCol="0" anchor="ctr"/>
+          <a:lstStyle/>
+          <a:p>
+            <a:pPr algn="ctr"/>
+            <a:endParaRPr lang="en-US"/>
+          </a:p>
+        </p:txBody>
+      </p:sp>
+      <p:sp>
+        <p:nvSpPr>
+          <p:cNvPr id="47" name="TextBox 46"/>
+          <p:cNvSpPr txBox="1"/>
+          <p:nvPr/>
+        </p:nvSpPr>
+        <p:spPr>
+          <a:xfrm>
+            <a:off x="3812313" y="5794069"/>
+            <a:ext cx="1229567" cy="369332"/>
+          </a:xfrm>
+          <a:prstGeom prst="rect">
+            <a:avLst/>
+          </a:prstGeom>
+          <a:noFill/>
+        </p:spPr>
+        <p:txBody>
+          <a:bodyPr wrap="none" rtlCol="0">
+            <a:spAutoFit/>
+          </a:bodyPr>
+          <a:lstStyle/>
+          <a:p>
+            <a:r>
+              <a:rPr lang="en-GB" dirty="0" smtClean="0"/>
+              <a:t>Slicing step</a:t>
+            </a:r>
+            <a:endParaRPr lang="en-US" dirty="0"/>
+          </a:p>
+        </p:txBody>
+      </p:sp>
+      <p:sp>
+        <p:nvSpPr>
+          <p:cNvPr id="48" name="Rectangle 47"/>
+          <p:cNvSpPr/>
+          <p:nvPr/>
+        </p:nvSpPr>
+        <p:spPr>
+          <a:xfrm>
+            <a:off x="712905" y="4600404"/>
+            <a:ext cx="3010139" cy="2200688"/>
+          </a:xfrm>
+          <a:prstGeom prst="rect">
+            <a:avLst/>
+          </a:prstGeom>
+          <a:solidFill>
+            <a:schemeClr val="accent2"/>
+          </a:solidFill>
+          <a:ln>
+            <a:noFill/>
+          </a:ln>
+        </p:spPr>
+        <p:style>
+          <a:lnRef idx="2">
+            <a:schemeClr val="accent1">
+              <a:shade val="50000"/>
+            </a:schemeClr>
+          </a:lnRef>
+          <a:fillRef idx="1">
+            <a:schemeClr val="accent1"/>
+          </a:fillRef>
+          <a:effectRef idx="0">
+            <a:schemeClr val="accent1"/>
+          </a:effectRef>
+          <a:fontRef idx="minor">
+            <a:schemeClr val="lt1"/>
+          </a:fontRef>
+        </p:style>
+        <p:txBody>
+          <a:bodyPr rtlCol="0" anchor="ctr"/>
+          <a:lstStyle/>
+          <a:p>
+            <a:pPr algn="ctr"/>
+            <a:r>
+              <a:rPr lang="en-GB" sz="5400" dirty="0" smtClean="0"/>
+              <a:t>Your help wanted</a:t>
+            </a:r>
+            <a:endParaRPr lang="en-US" sz="5400" dirty="0"/>
           </a:p>
         </p:txBody>
       </p:sp>
@@ -21763,6 +21917,123 @@
                       </p:childTnLst>
                     </p:cTn>
                   </p:par>
+                  <p:par>
+                    <p:cTn id="79" fill="hold">
+                      <p:stCondLst>
+                        <p:cond delay="indefinite"/>
+                      </p:stCondLst>
+                      <p:childTnLst>
+                        <p:par>
+                          <p:cTn id="80" fill="hold">
+                            <p:stCondLst>
+                              <p:cond delay="0"/>
+                            </p:stCondLst>
+                            <p:childTnLst>
+                              <p:par>
+                                <p:cTn id="81" presetID="1" presetClass="entr" presetSubtype="0" fill="hold" grpId="0" nodeType="clickEffect">
+                                  <p:stCondLst>
+                                    <p:cond delay="0"/>
+                                  </p:stCondLst>
+                                  <p:childTnLst>
+                                    <p:set>
+                                      <p:cBhvr>
+                                        <p:cTn id="82" dur="1" fill="hold">
+                                          <p:stCondLst>
+                                            <p:cond delay="0"/>
+                                          </p:stCondLst>
+                                        </p:cTn>
+                                        <p:tgtEl>
+                                          <p:spTgt spid="3"/>
+                                        </p:tgtEl>
+                                        <p:attrNameLst>
+                                          <p:attrName>style.visibility</p:attrName>
+                                        </p:attrNameLst>
+                                      </p:cBhvr>
+                                      <p:to>
+                                        <p:strVal val="visible"/>
+                                      </p:to>
+                                    </p:set>
+                                  </p:childTnLst>
+                                </p:cTn>
+                              </p:par>
+                              <p:par>
+                                <p:cTn id="83" presetID="1" presetClass="entr" presetSubtype="0" fill="hold" grpId="0" nodeType="withEffect">
+                                  <p:stCondLst>
+                                    <p:cond delay="0"/>
+                                  </p:stCondLst>
+                                  <p:childTnLst>
+                                    <p:set>
+                                      <p:cBhvr>
+                                        <p:cTn id="84" dur="1" fill="hold">
+                                          <p:stCondLst>
+                                            <p:cond delay="0"/>
+                                          </p:stCondLst>
+                                        </p:cTn>
+                                        <p:tgtEl>
+                                          <p:spTgt spid="47"/>
+                                        </p:tgtEl>
+                                        <p:attrNameLst>
+                                          <p:attrName>style.visibility</p:attrName>
+                                        </p:attrNameLst>
+                                      </p:cBhvr>
+                                      <p:to>
+                                        <p:strVal val="visible"/>
+                                      </p:to>
+                                    </p:set>
+                                  </p:childTnLst>
+                                </p:cTn>
+                              </p:par>
+                            </p:childTnLst>
+                          </p:cTn>
+                        </p:par>
+                      </p:childTnLst>
+                    </p:cTn>
+                  </p:par>
+                  <p:par>
+                    <p:cTn id="85" fill="hold">
+                      <p:stCondLst>
+                        <p:cond delay="indefinite"/>
+                      </p:stCondLst>
+                      <p:childTnLst>
+                        <p:par>
+                          <p:cTn id="86" fill="hold">
+                            <p:stCondLst>
+                              <p:cond delay="0"/>
+                            </p:stCondLst>
+                            <p:childTnLst>
+                              <p:par>
+                                <p:cTn id="87" presetID="1" presetClass="entr" presetSubtype="0" fill="hold" grpId="0" nodeType="clickEffect">
+                                  <p:stCondLst>
+                                    <p:cond delay="0"/>
+                                  </p:stCondLst>
+                                  <p:childTnLst>
+                                    <p:set>
+                                      <p:cBhvr>
+                                        <p:cTn id="88" dur="1" fill="hold">
+                                          <p:stCondLst>
+                                            <p:cond delay="0"/>
+                                          </p:stCondLst>
+                                        </p:cTn>
+                                        <p:tgtEl>
+                                          <p:spTgt spid="48"/>
+                                        </p:tgtEl>
+                                        <p:attrNameLst>
+                                          <p:attrName>style.visibility</p:attrName>
+                                        </p:attrNameLst>
+                                      </p:cBhvr>
+                                      <p:to>
+                                        <p:strVal val="visible"/>
+                                      </p:to>
+                                    </p:set>
+                                  </p:childTnLst>
+                                </p:cTn>
+                              </p:par>
+                            </p:childTnLst>
+                          </p:cTn>
+                        </p:par>
+                      </p:childTnLst>
+                    </p:cTn>
+                  </p:par>
                 </p:childTnLst>
               </p:cTn>
               <p:prevCondLst>
@@ -21813,6 +22084,9 @@
       <p:bldP spid="42" grpId="0" animBg="1"/>
       <p:bldP spid="45" grpId="0" animBg="1"/>
       <p:bldP spid="46" grpId="0"/>
+      <p:bldP spid="3" grpId="0" animBg="1"/>
+      <p:bldP spid="47" grpId="0"/>
+      <p:bldP spid="48" grpId="0" animBg="1"/>
     </p:bldLst>
   </p:timing>
 </p:sld>
@@ -22044,8 +22318,13 @@
             <a:pPr lvl="1"/>
             <a:r>
               <a:rPr lang="en-GB" dirty="0" smtClean="0"/>
-              <a:t>Reconstruct runtime Values</a:t>
-            </a:r>
+              <a:t>Reconstruct runtime </a:t>
+            </a:r>
+            <a:r>
+              <a:rPr lang="en-GB" dirty="0" smtClean="0"/>
+              <a:t>values</a:t>
+            </a:r>
+            <a:endParaRPr lang="en-GB" dirty="0" smtClean="0"/>
           </a:p>
           <a:p>
             <a:pPr lvl="1"/>
@@ -22065,8 +22344,13 @@
             <a:pPr lvl="1"/>
             <a:r>
               <a:rPr lang="en-GB" dirty="0" smtClean="0"/>
-              <a:t>Clone Detection</a:t>
-            </a:r>
+              <a:t>Clone </a:t>
+            </a:r>
+            <a:r>
+              <a:rPr lang="en-GB" dirty="0" smtClean="0"/>
+              <a:t>detection</a:t>
+            </a:r>
+            <a:endParaRPr lang="en-GB" dirty="0" smtClean="0"/>
           </a:p>
           <a:p>
             <a:pPr lvl="1"/>
@@ -22081,7 +22365,23 @@
           <a:p>
             <a:r>
               <a:rPr lang="en-GB" dirty="0" smtClean="0"/>
-              <a:t>Here: Only static forward Slicing</a:t>
+              <a:t>Here: </a:t>
+            </a:r>
+            <a:r>
+              <a:rPr lang="en-GB" dirty="0" smtClean="0"/>
+              <a:t>only </a:t>
+            </a:r>
+            <a:r>
+              <a:rPr lang="en-GB" dirty="0" smtClean="0"/>
+              <a:t>static </a:t>
+            </a:r>
+            <a:r>
+              <a:rPr lang="en-GB" dirty="0" smtClean="0"/>
+              <a:t>backward</a:t>
+            </a:r>
+            <a:r>
+              <a:rPr lang="en-GB" dirty="0" smtClean="0"/>
+              <a:t> slicing</a:t>
             </a:r>
             <a:endParaRPr lang="en-GB" dirty="0"/>
           </a:p>
@@ -22546,8 +22846,13 @@
             </a:r>
             <a:r>
               <a:rPr lang="en-GB" dirty="0" smtClean="0"/>
-              <a:t>of the Program</a:t>
-            </a:r>
+              <a:t>of the </a:t>
+            </a:r>
+            <a:r>
+              <a:rPr lang="en-GB" dirty="0" smtClean="0"/>
+              <a:t>program</a:t>
+            </a:r>
+            <a:endParaRPr lang="en-GB" dirty="0" smtClean="0"/>
           </a:p>
           <a:p>
             <a:pPr lvl="1"/>
@@ -22592,8 +22897,25 @@
             </a:pPr>
             <a:r>
               <a:rPr lang="en-GB" dirty="0" smtClean="0"/>
-              <a:t>In most cases: Location and Variable</a:t>
-            </a:r>
+              <a:t>In </a:t>
+            </a:r>
+            <a:r>
+              <a:rPr lang="en-GB" dirty="0" smtClean="0"/>
+              <a:t>most cases: </a:t>
+            </a:r>
+            <a:r>
+              <a:rPr lang="en-GB" dirty="0" smtClean="0"/>
+              <a:t>location </a:t>
+            </a:r>
+            <a:r>
+              <a:rPr lang="en-GB" dirty="0" smtClean="0"/>
+              <a:t>and </a:t>
+            </a:r>
+            <a:r>
+              <a:rPr lang="en-GB" dirty="0" smtClean="0"/>
+              <a:t>variable</a:t>
+            </a:r>
+            <a:endParaRPr lang="en-GB" dirty="0" smtClean="0"/>
           </a:p>
           <a:p>
             <a:endParaRPr lang="en-GB" dirty="0" smtClean="0"/>
@@ -25870,12 +26192,12 @@
               <a:t>Data </a:t>
             </a:r>
             <a:r>
-              <a:rPr lang="en-GB" dirty="0" err="1" smtClean="0"/>
-              <a:t>depency</a:t>
-            </a:r>
-            <a:r>
               <a:rPr lang="en-GB" dirty="0" smtClean="0"/>
-              <a:t> edges</a:t>
+              <a:t>dependency </a:t>
+            </a:r>
+            <a:r>
+              <a:rPr lang="en-GB" dirty="0" smtClean="0"/>
+              <a:t>edges</a:t>
             </a:r>
           </a:p>
           <a:p>
@@ -29106,8 +29428,8 @@
                 <a:t>data </a:t>
               </a:r>
               <a:r>
-                <a:rPr lang="en-GB" dirty="0" err="1" smtClean="0"/>
-                <a:t>depdendency</a:t>
+                <a:rPr lang="en-GB" dirty="0" smtClean="0"/>
+                <a:t>dependency</a:t>
               </a:r>
               <a:endParaRPr lang="en-US" dirty="0"/>
             </a:p>
@@ -30108,14 +30430,13 @@
           <p:cNvPr id="17" name="Straight Arrow Connector 16"/>
           <p:cNvCxnSpPr>
             <a:stCxn id="7" idx="0"/>
-            <a:endCxn id="5" idx="2"/>
           </p:cNvCxnSpPr>
           <p:nvPr/>
         </p:nvCxnSpPr>
         <p:spPr>
           <a:xfrm flipV="1">
             <a:off x="1011127" y="3230496"/>
-            <a:ext cx="1371800" cy="701882"/>
+            <a:ext cx="913982" cy="701882"/>
           </a:xfrm>
           <a:prstGeom prst="straightConnector1">
             <a:avLst/>
@@ -30187,14 +30508,13 @@
           <p:cNvPr id="23" name="Straight Arrow Connector 22"/>
           <p:cNvCxnSpPr>
             <a:stCxn id="8" idx="0"/>
-            <a:endCxn id="5" idx="2"/>
           </p:cNvCxnSpPr>
           <p:nvPr/>
         </p:nvCxnSpPr>
         <p:spPr>
           <a:xfrm flipV="1">
             <a:off x="1896968" y="3230496"/>
-            <a:ext cx="485959" cy="1100260"/>
+            <a:ext cx="284980" cy="1100260"/>
           </a:xfrm>
           <a:prstGeom prst="straightConnector1">
             <a:avLst/>
@@ -30227,14 +30547,13 @@
           <p:cNvPr id="29" name="Straight Arrow Connector 28"/>
           <p:cNvCxnSpPr>
             <a:stCxn id="6" idx="0"/>
-            <a:endCxn id="5" idx="2"/>
           </p:cNvCxnSpPr>
           <p:nvPr/>
         </p:nvCxnSpPr>
         <p:spPr>
           <a:xfrm flipH="1" flipV="1">
-            <a:off x="2382927" y="3230496"/>
-            <a:ext cx="370816" cy="673085"/>
+            <a:off x="2509870" y="3230496"/>
+            <a:ext cx="243873" cy="673085"/>
           </a:xfrm>
           <a:prstGeom prst="straightConnector1">
             <a:avLst/>
@@ -30267,14 +30586,13 @@
           <p:cNvPr id="32" name="Straight Arrow Connector 31"/>
           <p:cNvCxnSpPr>
             <a:stCxn id="15" idx="0"/>
-            <a:endCxn id="5" idx="2"/>
           </p:cNvCxnSpPr>
           <p:nvPr/>
         </p:nvCxnSpPr>
         <p:spPr>
           <a:xfrm flipH="1" flipV="1">
-            <a:off x="2382927" y="3230496"/>
-            <a:ext cx="1174208" cy="663403"/>
+            <a:off x="2840744" y="3230496"/>
+            <a:ext cx="716391" cy="663403"/>
           </a:xfrm>
           <a:prstGeom prst="straightConnector1">
             <a:avLst/>
@@ -31699,8 +32017,29 @@
           <a:p>
             <a:r>
               <a:rPr lang="en-GB" dirty="0" smtClean="0"/>
-              <a:t>No Handling of Object Orientation</a:t>
-            </a:r>
+              <a:t>No </a:t>
+            </a:r>
+            <a:r>
+              <a:rPr lang="en-GB" dirty="0" smtClean="0"/>
+              <a:t>handling </a:t>
+            </a:r>
+            <a:r>
+              <a:rPr lang="en-GB" dirty="0" smtClean="0"/>
+              <a:t>of </a:t>
+            </a:r>
+            <a:r>
+              <a:rPr lang="en-GB" dirty="0" smtClean="0"/>
+              <a:t>object </a:t>
+            </a:r>
+            <a:r>
+              <a:rPr lang="en-GB" dirty="0"/>
+              <a:t>o</a:t>
+            </a:r>
+            <a:r>
+              <a:rPr lang="en-GB" dirty="0" smtClean="0"/>
+              <a:t>rientation</a:t>
+            </a:r>
+            <a:endParaRPr lang="en-GB" dirty="0" smtClean="0"/>
           </a:p>
           <a:p>
             <a:endParaRPr lang="en-GB" dirty="0"/>
@@ -31711,7 +32050,21 @@
             </a:pPr>
             <a:r>
               <a:rPr lang="en-GB" dirty="0" smtClean="0"/>
-              <a:t>	Reminder:</a:t>
+              <a:t>	</a:t>
+            </a:r>
+            <a:endParaRPr lang="en-GB" dirty="0" smtClean="0"/>
+          </a:p>
+          <a:p>
+            <a:pPr marL="0" indent="0">
+              <a:buNone/>
+            </a:pPr>
+            <a:r>
+              <a:rPr lang="en-GB" dirty="0" smtClean="0"/>
+              <a:t>Reminder</a:t>
+            </a:r>
+            <a:r>
+              <a:rPr lang="en-GB" dirty="0" smtClean="0"/>
+              <a:t>:</a:t>
             </a:r>
           </a:p>
           <a:p>
@@ -31952,7 +32305,15 @@
                 <a:ea typeface="Times New Roman" panose="02020603050405020304" pitchFamily="18" charset="0"/>
                 <a:cs typeface="Times New Roman" panose="02020603050405020304" pitchFamily="18" charset="0"/>
               </a:rPr>
-              <a:t>SPECIALINVOKE</a:t>
+              <a:t>INVOKESPECIAL</a:t>
+            </a:r>
+            <a:r>
+              <a:rPr lang="en-US" dirty="0" smtClean="0">
+                <a:latin typeface="Times New Roman" panose="02020603050405020304" pitchFamily="18" charset="0"/>
+                <a:ea typeface="Times New Roman" panose="02020603050405020304" pitchFamily="18" charset="0"/>
+                <a:cs typeface="Times New Roman" panose="02020603050405020304" pitchFamily="18" charset="0"/>
+              </a:rPr>
+              <a:t> </a:t>
             </a:r>
             <a:r>
               <a:rPr lang="en-US" dirty="0">
@@ -31960,7 +32321,7 @@
                 <a:ea typeface="Times New Roman" panose="02020603050405020304" pitchFamily="18" charset="0"/>
                 <a:cs typeface="Times New Roman" panose="02020603050405020304" pitchFamily="18" charset="0"/>
               </a:rPr>
-              <a:t> java</a:t>
+              <a:t>java</a:t>
             </a:r>
             <a:r>
               <a:rPr lang="en-US" dirty="0">
@@ -32233,7 +32594,11 @@
                                           </p:stCondLst>
                                         </p:cTn>
                                         <p:tgtEl>
-                                          <p:spTgt spid="4"/>
+                                          <p:spTgt spid="3">
+                                            <p:txEl>
+                                              <p:pRg st="5" end="5"/>
+                                            </p:txEl>
+                                          </p:spTgt>
                                         </p:tgtEl>
                                         <p:attrNameLst>
                                           <p:attrName>style.visibility</p:attrName>
@@ -32278,6 +32643,51 @@
                                           </p:stCondLst>
                                         </p:cTn>
                                         <p:tgtEl>
+                                          <p:spTgt spid="4"/>
+                                        </p:tgtEl>
+                                        <p:attrNameLst>
+                                          <p:attrName>style.visibility</p:attrName>
+                                        </p:attrNameLst>
+                                      </p:cBhvr>
+                                      <p:to>
+                                        <p:strVal val="visible"/>
+                                      </p:to>
+                                    </p:set>
+                                  </p:childTnLst>
+                                </p:cTn>
+                              </p:par>
+                            </p:childTnLst>
+                          </p:cTn>
+                        </p:par>
+                      </p:childTnLst>
+                    </p:cTn>
+                  </p:par>
+                  <p:par>
+                    <p:cTn id="23" fill="hold">
+                      <p:stCondLst>
+                        <p:cond delay="indefinite"/>
+                      </p:stCondLst>
+                      <p:childTnLst>
+                        <p:par>
+                          <p:cTn id="24" fill="hold">
+                            <p:stCondLst>
+                              <p:cond delay="0"/>
+                            </p:stCondLst>
+                            <p:childTnLst>
+                              <p:par>
+                                <p:cTn id="25" presetID="1" presetClass="entr" presetSubtype="0" fill="hold" grpId="0" nodeType="clickEffect">
+                                  <p:stCondLst>
+                                    <p:cond delay="0"/>
+                                  </p:stCondLst>
+                                  <p:childTnLst>
+                                    <p:set>
+                                      <p:cBhvr>
+                                        <p:cTn id="26" dur="1" fill="hold">
+                                          <p:stCondLst>
+                                            <p:cond delay="0"/>
+                                          </p:stCondLst>
+                                        </p:cTn>
+                                        <p:tgtEl>
                                           <p:spTgt spid="5"/>
                                         </p:tgtEl>
                                         <p:attrNameLst>
@@ -32292,14 +32702,14 @@
                                 </p:cTn>
                               </p:par>
                               <p:par>
-                                <p:cTn id="23" presetID="1" presetClass="entr" presetSubtype="0" fill="hold" grpId="0" nodeType="withEffect">
+                                <p:cTn id="27" presetID="1" presetClass="entr" presetSubtype="0" fill="hold" grpId="0" nodeType="withEffect">
                                   <p:stCondLst>
                                     <p:cond delay="0"/>
                                   </p:stCondLst>
                                   <p:childTnLst>
                                     <p:set>
                                       <p:cBhvr>
-                                        <p:cTn id="24" dur="1" fill="hold">
+                                        <p:cTn id="28" dur="1" fill="hold">
                                           <p:stCondLst>
                                             <p:cond delay="0"/>
                                           </p:stCondLst>
@@ -32389,7 +32799,11 @@
           <a:p>
             <a:r>
               <a:rPr lang="en-GB" dirty="0" smtClean="0"/>
-              <a:t>System Dependence Graph</a:t>
+              <a:t>Creating System </a:t>
+            </a:r>
+            <a:r>
+              <a:rPr lang="en-GB" dirty="0" smtClean="0"/>
+              <a:t>Dependence Graph</a:t>
             </a:r>
             <a:endParaRPr lang="en-US" dirty="0"/>
           </a:p>
@@ -32412,14 +32826,11 @@
           <a:p>
             <a:r>
               <a:rPr lang="en-GB" dirty="0" smtClean="0"/>
-              <a:t>Idea:</a:t>
-            </a:r>
-          </a:p>
-          <a:p>
-            <a:pPr lvl="1"/>
+              <a:t>Augment </a:t>
+            </a:r>
             <a:r>
               <a:rPr lang="en-GB" dirty="0" smtClean="0"/>
-              <a:t>Augment PDG with functions and </a:t>
+              <a:t>PDG with functions and </a:t>
             </a:r>
             <a:r>
               <a:rPr lang="en-GB" dirty="0" err="1" smtClean="0"/>
@@ -32432,10 +32843,13 @@
             <a:endParaRPr lang="en-GB" dirty="0" smtClean="0"/>
           </a:p>
           <a:p>
-            <a:pPr lvl="1"/>
             <a:r>
               <a:rPr lang="en-GB" dirty="0" smtClean="0"/>
-              <a:t>For each </a:t>
+              <a:t>For </a:t>
+            </a:r>
+            <a:r>
+              <a:rPr lang="en-GB" dirty="0" smtClean="0"/>
+              <a:t>each </a:t>
             </a:r>
             <a:r>
               <a:rPr lang="en-GB" dirty="0" err="1" smtClean="0"/>
@@ -32451,21 +32865,20 @@
             <a:endParaRPr lang="en-GB" dirty="0"/>
           </a:p>
           <a:p>
-            <a:pPr lvl="1"/>
             <a:r>
               <a:rPr lang="en-GB" dirty="0" smtClean="0"/>
               <a:t>Split graph traversal in two phases:</a:t>
             </a:r>
           </a:p>
           <a:p>
-            <a:pPr lvl="2"/>
+            <a:pPr lvl="1"/>
             <a:r>
               <a:rPr lang="en-GB" dirty="0" smtClean="0"/>
               <a:t>Upwards in the call stack</a:t>
             </a:r>
           </a:p>
           <a:p>
-            <a:pPr lvl="2"/>
+            <a:pPr lvl="1"/>
             <a:r>
               <a:rPr lang="en-GB" dirty="0" smtClean="0"/>
               <a:t>Downwards in the call stack</a:t>
@@ -32569,7 +32982,7 @@
                                         <p:tgtEl>
                                           <p:spTgt spid="3">
                                             <p:txEl>
-                                              <p:pRg st="1" end="1"/>
+                                              <p:pRg st="2" end="2"/>
                                             </p:txEl>
                                           </p:spTgt>
                                         </p:tgtEl>
@@ -32618,7 +33031,7 @@
                                         <p:tgtEl>
                                           <p:spTgt spid="3">
                                             <p:txEl>
-                                              <p:pRg st="3" end="3"/>
+                                              <p:pRg st="4" end="4"/>
                                             </p:txEl>
                                           </p:spTgt>
                                         </p:tgtEl>
@@ -32633,33 +33046,15 @@
                                   </p:childTnLst>
                                 </p:cTn>
                               </p:par>
-                            </p:childTnLst>
-                          </p:cTn>
-                        </p:par>
-                      </p:childTnLst>
-                    </p:cTn>
-                  </p:par>
-                  <p:par>
-                    <p:cTn id="15" fill="hold">
-                      <p:stCondLst>
-                        <p:cond delay="indefinite"/>
-                      </p:stCondLst>
-                      <p:childTnLst>
-                        <p:par>
-                          <p:cTn id="16" fill="hold">
-                            <p:stCondLst>
-                              <p:cond delay="0"/>
-                            </p:stCondLst>
-                            <p:childTnLst>
                               <p:par>
-                                <p:cTn id="17" presetID="1" presetClass="entr" presetSubtype="0" fill="hold" grpId="0" nodeType="clickEffect">
+                                <p:cTn id="15" presetID="1" presetClass="entr" presetSubtype="0" fill="hold" grpId="0" nodeType="withEffect">
                                   <p:stCondLst>
                                     <p:cond delay="0"/>
                                   </p:stCondLst>
                                   <p:childTnLst>
                                     <p:set>
                                       <p:cBhvr>
-                                        <p:cTn id="18" dur="1" fill="hold">
+                                        <p:cTn id="16" dur="1" fill="hold">
                                           <p:stCondLst>
                                             <p:cond delay="0"/>
                                           </p:stCondLst>
@@ -32682,33 +33077,15 @@
                                   </p:childTnLst>
                                 </p:cTn>
                               </p:par>
-                            </p:childTnLst>
-                          </p:cTn>
-                        </p:par>
-                      </p:childTnLst>
-                    </p:cTn>
-                  </p:par>
-                  <p:par>
-                    <p:cTn id="19" fill="hold">
-                      <p:stCondLst>
-                        <p:cond delay="indefinite"/>
-                      </p:stCondLst>
-                      <p:childTnLst>
-                        <p:par>
-                          <p:cTn id="20" fill="hold">
-                            <p:stCondLst>
-                              <p:cond delay="0"/>
-                            </p:stCondLst>
-                            <p:childTnLst>
                               <p:par>
-                                <p:cTn id="21" presetID="1" presetClass="entr" presetSubtype="0" fill="hold" grpId="0" nodeType="clickEffect">
+                                <p:cTn id="17" presetID="1" presetClass="entr" presetSubtype="0" fill="hold" grpId="0" nodeType="withEffect">
                                   <p:stCondLst>
                                     <p:cond delay="0"/>
                                   </p:stCondLst>
                                   <p:childTnLst>
                                     <p:set>
                                       <p:cBhvr>
-                                        <p:cTn id="22" dur="1" fill="hold">
+                                        <p:cTn id="18" dur="1" fill="hold">
                                           <p:stCondLst>
                                             <p:cond delay="0"/>
                                           </p:stCondLst>
@@ -32717,55 +33094,6 @@
                                           <p:spTgt spid="3">
                                             <p:txEl>
                                               <p:pRg st="6" end="6"/>
-                                            </p:txEl>
-                                          </p:spTgt>
-                                        </p:tgtEl>
-                                        <p:attrNameLst>
-                                          <p:attrName>style.visibility</p:attrName>
-                                        </p:attrNameLst>
-                                      </p:cBhvr>
-                                      <p:to>
-                                        <p:strVal val="visible"/>
-                                      </p:to>
-                                    </p:set>
-                                  </p:childTnLst>
-                                </p:cTn>
-                              </p:par>
-                            </p:childTnLst>
-                          </p:cTn>
-                        </p:par>
-                      </p:childTnLst>
-                    </p:cTn>
-                  </p:par>
-                  <p:par>
-                    <p:cTn id="23" fill="hold">
-                      <p:stCondLst>
-                        <p:cond delay="indefinite"/>
-                      </p:stCondLst>
-                      <p:childTnLst>
-                        <p:par>
-                          <p:cTn id="24" fill="hold">
-                            <p:stCondLst>
-                              <p:cond delay="0"/>
-                            </p:stCondLst>
-                            <p:childTnLst>
-                              <p:par>
-                                <p:cTn id="25" presetID="1" presetClass="entr" presetSubtype="0" fill="hold" grpId="0" nodeType="clickEffect">
-                                  <p:stCondLst>
-                                    <p:cond delay="0"/>
-                                  </p:stCondLst>
-                                  <p:childTnLst>
-                                    <p:set>
-                                      <p:cBhvr>
-                                        <p:cTn id="26" dur="1" fill="hold">
-                                          <p:stCondLst>
-                                            <p:cond delay="0"/>
-                                          </p:stCondLst>
-                                        </p:cTn>
-                                        <p:tgtEl>
-                                          <p:spTgt spid="3">
-                                            <p:txEl>
-                                              <p:pRg st="7" end="7"/>
                                             </p:txEl>
                                           </p:spTgt>
                                         </p:tgtEl>
